--- a/slides/Presentation-template-CyberWeek.pptx
+++ b/slides/Presentation-template-CyberWeek.pptx
@@ -199,7 +199,7 @@
           <a:p>
             <a:fld id="{03214FAC-AF5E-B34F-AFD6-0E990FEF13EC}" type="datetimeFigureOut">
               <a:rPr lang="en-US" smtClean="0"/>
-              <a:t>11/3/2020</a:t>
+              <a:t>11/6/2020</a:t>
             </a:fld>
             <a:endParaRPr lang="en-US"/>
           </a:p>
@@ -2683,6 +2683,36 @@
           <a:chExt cx="0" cy="0"/>
         </a:xfrm>
       </p:grpSpPr>
+      <p:pic>
+        <p:nvPicPr>
+          <p:cNvPr id="9" name="Picture 8"/>
+          <p:cNvPicPr>
+            <a:picLocks noChangeAspect="1"/>
+          </p:cNvPicPr>
+          <p:nvPr/>
+        </p:nvPicPr>
+        <p:blipFill>
+          <a:blip r:embed="rId3">
+            <a:extLst>
+              <a:ext uri="{28A0092B-C50C-407E-A947-70E740481C1C}">
+                <a14:useLocalDpi xmlns:a14="http://schemas.microsoft.com/office/drawing/2010/main" val="0"/>
+              </a:ext>
+            </a:extLst>
+          </a:blip>
+          <a:stretch>
+            <a:fillRect/>
+          </a:stretch>
+        </p:blipFill>
+        <p:spPr>
+          <a:xfrm>
+            <a:off x="1576916" y="5232401"/>
+            <a:ext cx="2190751" cy="257198"/>
+          </a:xfrm>
+          <a:prstGeom prst="rect">
+            <a:avLst/>
+          </a:prstGeom>
+        </p:spPr>
+      </p:pic>
       <p:sp>
         <p:nvSpPr>
           <p:cNvPr id="4" name="Title 1"/>
@@ -3198,8 +3228,8 @@
         </p:nvSpPr>
         <p:spPr>
           <a:xfrm>
-            <a:off x="1483269" y="5472665"/>
-            <a:ext cx="2403735" cy="400110"/>
+            <a:off x="1483269" y="5371061"/>
+            <a:ext cx="2815707" cy="523220"/>
           </a:xfrm>
           <a:prstGeom prst="rect">
             <a:avLst/>
@@ -3219,7 +3249,36 @@
                 </a:solidFill>
                 <a:latin typeface="Lovelo" panose="02000000000000000000" pitchFamily="50" charset="0"/>
               </a:rPr>
-              <a:t>RED TEAM VILLAGE</a:t>
+              <a:t>RED TEAM </a:t>
+            </a:r>
+            <a:r>
+              <a:rPr lang="en-US" sz="2000" dirty="0" smtClean="0">
+                <a:solidFill>
+                  <a:schemeClr val="bg1"/>
+                </a:solidFill>
+                <a:latin typeface="Lovelo" panose="02000000000000000000" pitchFamily="50" charset="0"/>
+              </a:rPr>
+              <a:t>Village </a:t>
+            </a:r>
+            <a:r>
+              <a:rPr lang="en-US" sz="2800" b="1" dirty="0" smtClean="0">
+                <a:solidFill>
+                  <a:schemeClr val="bg1"/>
+                </a:solidFill>
+                <a:latin typeface="Myriad Pro" panose="020B0503030403020204" pitchFamily="34" charset="0"/>
+                <a:ea typeface="Mina" charset="0"/>
+                <a:cs typeface="Mina" panose="02000503000000000000" pitchFamily="2" charset="0"/>
+              </a:rPr>
+              <a:t>@</a:t>
+            </a:r>
+            <a:r>
+              <a:rPr lang="en-US" sz="2000" dirty="0" smtClean="0">
+                <a:solidFill>
+                  <a:schemeClr val="bg1"/>
+                </a:solidFill>
+                <a:latin typeface="Lovelo" panose="02000000000000000000" pitchFamily="50" charset="0"/>
+              </a:rPr>
+              <a:t>@</a:t>
             </a:r>
             <a:endParaRPr lang="en-US" sz="2000" dirty="0">
               <a:solidFill>
@@ -3239,7 +3298,7 @@
           <p:nvPr/>
         </p:nvPicPr>
         <p:blipFill>
-          <a:blip r:embed="rId3">
+          <a:blip r:embed="rId4">
             <a:extLst>
               <a:ext uri="{28A0092B-C50C-407E-A947-70E740481C1C}">
                 <a14:useLocalDpi xmlns:a14="http://schemas.microsoft.com/office/drawing/2010/main" val="0"/>
@@ -3260,6 +3319,42 @@
           </a:prstGeom>
         </p:spPr>
       </p:pic>
+      <p:sp>
+        <p:nvSpPr>
+          <p:cNvPr id="8" name="TextBox 7"/>
+          <p:cNvSpPr txBox="1"/>
+          <p:nvPr/>
+        </p:nvSpPr>
+        <p:spPr>
+          <a:xfrm>
+            <a:off x="1548348" y="5228791"/>
+            <a:ext cx="2291012" cy="292388"/>
+          </a:xfrm>
+          <a:prstGeom prst="rect">
+            <a:avLst/>
+          </a:prstGeom>
+          <a:noFill/>
+        </p:spPr>
+        <p:txBody>
+          <a:bodyPr wrap="none" rtlCol="0">
+            <a:spAutoFit/>
+          </a:bodyPr>
+          <a:lstStyle/>
+          <a:p>
+            <a:r>
+              <a:rPr lang="en-US" sz="1300" b="1" dirty="0" smtClean="0">
+                <a:latin typeface="Mina" panose="02000503000000000000" pitchFamily="2" charset="0"/>
+                <a:cs typeface="Mina" panose="02000503000000000000" pitchFamily="2" charset="0"/>
+              </a:rPr>
+              <a:t>https://redteamvillage.org/</a:t>
+            </a:r>
+            <a:endParaRPr lang="en-US" sz="1300" b="1" dirty="0">
+              <a:latin typeface="Mina" panose="02000503000000000000" pitchFamily="2" charset="0"/>
+              <a:cs typeface="Mina" panose="02000503000000000000" pitchFamily="2" charset="0"/>
+            </a:endParaRPr>
+          </a:p>
+        </p:txBody>
+      </p:sp>
     </p:spTree>
     <p:extLst>
       <p:ext uri="{BB962C8B-B14F-4D97-AF65-F5344CB8AC3E}">
@@ -3713,7 +3808,7 @@
         </p:blipFill>
         <p:spPr>
           <a:xfrm>
-            <a:off x="83693" y="5761812"/>
+            <a:off x="83693" y="5830890"/>
             <a:ext cx="487683" cy="423766"/>
           </a:xfrm>
           <a:prstGeom prst="rect">
@@ -3729,8 +3824,8 @@
         </p:nvSpPr>
         <p:spPr>
           <a:xfrm>
-            <a:off x="9727686" y="6312531"/>
-            <a:ext cx="1292341" cy="246221"/>
+            <a:off x="9727686" y="6272071"/>
+            <a:ext cx="1447832" cy="276999"/>
           </a:xfrm>
           <a:prstGeom prst="rect">
             <a:avLst/>
@@ -3750,13 +3845,97 @@
                 </a:solidFill>
                 <a:latin typeface="Lovelo" panose="02000000000000000000" pitchFamily="50" charset="0"/>
               </a:rPr>
-              <a:t>RED TEAM VILLAGE</a:t>
-            </a:r>
-            <a:endParaRPr lang="en-US" sz="1000" dirty="0">
+              <a:t>RED TEAM </a:t>
+            </a:r>
+            <a:r>
+              <a:rPr lang="en-US" sz="1000" dirty="0" smtClean="0">
+                <a:solidFill>
+                  <a:schemeClr val="bg1"/>
+                </a:solidFill>
+                <a:latin typeface="Lovelo" panose="02000000000000000000" pitchFamily="50" charset="0"/>
+              </a:rPr>
+              <a:t>VILLAGE </a:t>
+            </a:r>
+            <a:r>
+              <a:rPr lang="en-US" sz="1200" b="1" dirty="0" smtClean="0">
+                <a:solidFill>
+                  <a:schemeClr val="bg1"/>
+                </a:solidFill>
+                <a:latin typeface="Myriad Pro" panose="020B0503030403020204" pitchFamily="34" charset="0"/>
+              </a:rPr>
+              <a:t>@</a:t>
+            </a:r>
+            <a:endParaRPr lang="en-US" sz="1000" b="1" dirty="0">
               <a:solidFill>
                 <a:schemeClr val="bg1"/>
               </a:solidFill>
-              <a:latin typeface="Lovelo" panose="02000000000000000000" pitchFamily="50" charset="0"/>
+              <a:latin typeface="Myriad Pro" panose="020B0503030403020204" pitchFamily="34" charset="0"/>
+            </a:endParaRPr>
+          </a:p>
+        </p:txBody>
+      </p:sp>
+      <p:pic>
+        <p:nvPicPr>
+          <p:cNvPr id="10" name="Picture 9"/>
+          <p:cNvPicPr>
+            <a:picLocks noChangeAspect="1"/>
+          </p:cNvPicPr>
+          <p:nvPr/>
+        </p:nvPicPr>
+        <p:blipFill>
+          <a:blip r:embed="rId5">
+            <a:extLst>
+              <a:ext uri="{28A0092B-C50C-407E-A947-70E740481C1C}">
+                <a14:useLocalDpi xmlns:a14="http://schemas.microsoft.com/office/drawing/2010/main" val="0"/>
+              </a:ext>
+            </a:extLst>
+          </a:blip>
+          <a:stretch>
+            <a:fillRect/>
+          </a:stretch>
+        </p:blipFill>
+        <p:spPr>
+          <a:xfrm>
+            <a:off x="9837273" y="6719788"/>
+            <a:ext cx="1535916" cy="131425"/>
+          </a:xfrm>
+          <a:prstGeom prst="rect">
+            <a:avLst/>
+          </a:prstGeom>
+        </p:spPr>
+      </p:pic>
+      <p:sp>
+        <p:nvSpPr>
+          <p:cNvPr id="12" name="TextBox 11"/>
+          <p:cNvSpPr txBox="1"/>
+          <p:nvPr/>
+        </p:nvSpPr>
+        <p:spPr>
+          <a:xfrm>
+            <a:off x="9783265" y="6676550"/>
+            <a:ext cx="1654851" cy="230832"/>
+          </a:xfrm>
+          <a:prstGeom prst="rect">
+            <a:avLst/>
+          </a:prstGeom>
+          <a:noFill/>
+        </p:spPr>
+        <p:txBody>
+          <a:bodyPr wrap="square" rtlCol="0">
+            <a:spAutoFit/>
+          </a:bodyPr>
+          <a:lstStyle/>
+          <a:p>
+            <a:r>
+              <a:rPr lang="en-US" sz="890" b="1" dirty="0" smtClean="0">
+                <a:latin typeface="Mina" panose="02000503000000000000" pitchFamily="2" charset="0"/>
+                <a:cs typeface="Mina" panose="02000503000000000000" pitchFamily="2" charset="0"/>
+              </a:rPr>
+              <a:t>https://redteamvillage.org/</a:t>
+            </a:r>
+            <a:endParaRPr lang="en-US" sz="890" b="1" dirty="0">
+              <a:latin typeface="Mina" panose="02000503000000000000" pitchFamily="2" charset="0"/>
+              <a:cs typeface="Mina" panose="02000503000000000000" pitchFamily="2" charset="0"/>
             </a:endParaRPr>
           </a:p>
         </p:txBody>
@@ -3915,46 +4094,6 @@
           </a:p>
         </p:txBody>
       </p:sp>
-      <p:sp>
-        <p:nvSpPr>
-          <p:cNvPr id="3" name="TextBox 2"/>
-          <p:cNvSpPr txBox="1"/>
-          <p:nvPr/>
-        </p:nvSpPr>
-        <p:spPr>
-          <a:xfrm>
-            <a:off x="1483269" y="5472665"/>
-            <a:ext cx="2403735" cy="400110"/>
-          </a:xfrm>
-          <a:prstGeom prst="rect">
-            <a:avLst/>
-          </a:prstGeom>
-          <a:noFill/>
-        </p:spPr>
-        <p:txBody>
-          <a:bodyPr wrap="none" rtlCol="0">
-            <a:spAutoFit/>
-          </a:bodyPr>
-          <a:lstStyle/>
-          <a:p>
-            <a:r>
-              <a:rPr lang="en-US" sz="2000" dirty="0" smtClean="0">
-                <a:solidFill>
-                  <a:schemeClr val="bg1"/>
-                </a:solidFill>
-                <a:latin typeface="Lovelo" panose="02000000000000000000" pitchFamily="50" charset="0"/>
-              </a:rPr>
-              <a:t>RED TEAM VILLAGE</a:t>
-            </a:r>
-            <a:endParaRPr lang="en-US" sz="2000" dirty="0">
-              <a:solidFill>
-                <a:schemeClr val="bg1"/>
-              </a:solidFill>
-              <a:latin typeface="Lovelo" panose="02000000000000000000" pitchFamily="50" charset="0"/>
-            </a:endParaRPr>
-          </a:p>
-        </p:txBody>
-      </p:sp>
       <p:pic>
         <p:nvPicPr>
           <p:cNvPr id="4" name="Picture 3"/>
@@ -3985,6 +4124,141 @@
           </a:prstGeom>
         </p:spPr>
       </p:pic>
+      <p:pic>
+        <p:nvPicPr>
+          <p:cNvPr id="2" name="Picture 1"/>
+          <p:cNvPicPr>
+            <a:picLocks noChangeAspect="1"/>
+          </p:cNvPicPr>
+          <p:nvPr/>
+        </p:nvPicPr>
+        <p:blipFill>
+          <a:blip r:embed="rId4">
+            <a:extLst>
+              <a:ext uri="{28A0092B-C50C-407E-A947-70E740481C1C}">
+                <a14:useLocalDpi xmlns:a14="http://schemas.microsoft.com/office/drawing/2010/main" val="0"/>
+              </a:ext>
+            </a:extLst>
+          </a:blip>
+          <a:stretch>
+            <a:fillRect/>
+          </a:stretch>
+        </p:blipFill>
+        <p:spPr>
+          <a:xfrm>
+            <a:off x="1576916" y="5232401"/>
+            <a:ext cx="2190751" cy="257198"/>
+          </a:xfrm>
+          <a:prstGeom prst="rect">
+            <a:avLst/>
+          </a:prstGeom>
+        </p:spPr>
+      </p:pic>
+      <p:sp>
+        <p:nvSpPr>
+          <p:cNvPr id="6" name="TextBox 5"/>
+          <p:cNvSpPr txBox="1"/>
+          <p:nvPr/>
+        </p:nvSpPr>
+        <p:spPr>
+          <a:xfrm>
+            <a:off x="1548348" y="5233620"/>
+            <a:ext cx="2312966" cy="292388"/>
+          </a:xfrm>
+          <a:prstGeom prst="rect">
+            <a:avLst/>
+          </a:prstGeom>
+          <a:noFill/>
+        </p:spPr>
+        <p:txBody>
+          <a:bodyPr wrap="square" rtlCol="0">
+            <a:spAutoFit/>
+          </a:bodyPr>
+          <a:lstStyle/>
+          <a:p>
+            <a:r>
+              <a:rPr lang="en-US" sz="1300" b="1" dirty="0" smtClean="0">
+                <a:latin typeface="Mina" panose="02000503000000000000" pitchFamily="2" charset="0"/>
+                <a:cs typeface="Mina" panose="02000503000000000000" pitchFamily="2" charset="0"/>
+              </a:rPr>
+              <a:t>https://redteamvillage.org/</a:t>
+            </a:r>
+            <a:endParaRPr lang="en-US" sz="1300" b="1" dirty="0">
+              <a:latin typeface="Mina" panose="02000503000000000000" pitchFamily="2" charset="0"/>
+              <a:cs typeface="Mina" panose="02000503000000000000" pitchFamily="2" charset="0"/>
+            </a:endParaRPr>
+          </a:p>
+        </p:txBody>
+      </p:sp>
+      <p:sp>
+        <p:nvSpPr>
+          <p:cNvPr id="7" name="TextBox 6"/>
+          <p:cNvSpPr txBox="1"/>
+          <p:nvPr/>
+        </p:nvSpPr>
+        <p:spPr>
+          <a:xfrm>
+            <a:off x="1483269" y="5371061"/>
+            <a:ext cx="2815707" cy="523220"/>
+          </a:xfrm>
+          <a:prstGeom prst="rect">
+            <a:avLst/>
+          </a:prstGeom>
+          <a:noFill/>
+        </p:spPr>
+        <p:txBody>
+          <a:bodyPr wrap="none" rtlCol="0">
+            <a:spAutoFit/>
+          </a:bodyPr>
+          <a:lstStyle/>
+          <a:p>
+            <a:r>
+              <a:rPr lang="en-US" sz="2000" dirty="0" smtClean="0">
+                <a:solidFill>
+                  <a:schemeClr val="bg1"/>
+                </a:solidFill>
+                <a:latin typeface="Lovelo" panose="02000000000000000000" pitchFamily="50" charset="0"/>
+              </a:rPr>
+              <a:t>RED TEAM </a:t>
+            </a:r>
+            <a:r>
+              <a:rPr lang="en-US" sz="2000" dirty="0" smtClean="0">
+                <a:solidFill>
+                  <a:schemeClr val="bg1"/>
+                </a:solidFill>
+                <a:latin typeface="Lovelo" panose="02000000000000000000" pitchFamily="50" charset="0"/>
+              </a:rPr>
+              <a:t>Village </a:t>
+            </a:r>
+            <a:r>
+              <a:rPr lang="en-US" sz="2800" b="1" dirty="0" smtClean="0">
+                <a:solidFill>
+                  <a:schemeClr val="bg1"/>
+                </a:solidFill>
+                <a:latin typeface="Myriad Pro" panose="020B0503030403020204" pitchFamily="34" charset="0"/>
+                <a:ea typeface="Mina" charset="0"/>
+                <a:cs typeface="Mina" panose="02000503000000000000" pitchFamily="2" charset="0"/>
+              </a:rPr>
+              <a:t>@</a:t>
+            </a:r>
+            <a:r>
+              <a:rPr lang="en-US" sz="2000" dirty="0" smtClean="0">
+                <a:solidFill>
+                  <a:schemeClr val="bg1"/>
+                </a:solidFill>
+                <a:latin typeface="Lovelo" panose="02000000000000000000" pitchFamily="50" charset="0"/>
+              </a:rPr>
+              <a:t>@</a:t>
+            </a:r>
+            <a:endParaRPr lang="en-US" sz="2000" dirty="0">
+              <a:solidFill>
+                <a:schemeClr val="bg1"/>
+              </a:solidFill>
+              <a:latin typeface="Lovelo" panose="02000000000000000000" pitchFamily="50" charset="0"/>
+            </a:endParaRPr>
+          </a:p>
+        </p:txBody>
+      </p:sp>
     </p:spTree>
     <p:extLst>
       <p:ext uri="{BB962C8B-B14F-4D97-AF65-F5344CB8AC3E}">

--- a/slides/Presentation-template-CyberWeek.pptx
+++ b/slides/Presentation-template-CyberWeek.pptx
@@ -199,7 +199,7 @@
           <a:p>
             <a:fld id="{03214FAC-AF5E-B34F-AFD6-0E990FEF13EC}" type="datetimeFigureOut">
               <a:rPr lang="en-US" smtClean="0"/>
-              <a:t>11/6/2020</a:t>
+              <a:t>11/9/2020</a:t>
             </a:fld>
             <a:endParaRPr lang="en-US"/>
           </a:p>
@@ -3229,7 +3229,7 @@
         <p:spPr>
           <a:xfrm>
             <a:off x="1483269" y="5371061"/>
-            <a:ext cx="2815707" cy="523220"/>
+            <a:ext cx="2751587" cy="523220"/>
           </a:xfrm>
           <a:prstGeom prst="rect">
             <a:avLst/>
@@ -3268,15 +3268,6 @@
                 <a:latin typeface="Myriad Pro" panose="020B0503030403020204" pitchFamily="34" charset="0"/>
                 <a:ea typeface="Mina" charset="0"/>
                 <a:cs typeface="Mina" panose="02000503000000000000" pitchFamily="2" charset="0"/>
-              </a:rPr>
-              <a:t>@</a:t>
-            </a:r>
-            <a:r>
-              <a:rPr lang="en-US" sz="2000" dirty="0" smtClean="0">
-                <a:solidFill>
-                  <a:schemeClr val="bg1"/>
-                </a:solidFill>
-                <a:latin typeface="Lovelo" panose="02000000000000000000" pitchFamily="50" charset="0"/>
               </a:rPr>
               <a:t>@</a:t>
             </a:r>
@@ -3845,16 +3836,7 @@
                 </a:solidFill>
                 <a:latin typeface="Lovelo" panose="02000000000000000000" pitchFamily="50" charset="0"/>
               </a:rPr>
-              <a:t>RED TEAM </a:t>
-            </a:r>
-            <a:r>
-              <a:rPr lang="en-US" sz="1000" dirty="0" smtClean="0">
-                <a:solidFill>
-                  <a:schemeClr val="bg1"/>
-                </a:solidFill>
-                <a:latin typeface="Lovelo" panose="02000000000000000000" pitchFamily="50" charset="0"/>
-              </a:rPr>
-              <a:t>VILLAGE </a:t>
+              <a:t>RED TEAM VILLAGE </a:t>
             </a:r>
             <a:r>
               <a:rPr lang="en-US" sz="1200" b="1" dirty="0" smtClean="0">
@@ -4199,7 +4181,7 @@
         <p:spPr>
           <a:xfrm>
             <a:off x="1483269" y="5371061"/>
-            <a:ext cx="2815707" cy="523220"/>
+            <a:ext cx="2751587" cy="523220"/>
           </a:xfrm>
           <a:prstGeom prst="rect">
             <a:avLst/>
@@ -4238,15 +4220,6 @@
                 <a:latin typeface="Myriad Pro" panose="020B0503030403020204" pitchFamily="34" charset="0"/>
                 <a:ea typeface="Mina" charset="0"/>
                 <a:cs typeface="Mina" panose="02000503000000000000" pitchFamily="2" charset="0"/>
-              </a:rPr>
-              <a:t>@</a:t>
-            </a:r>
-            <a:r>
-              <a:rPr lang="en-US" sz="2000" dirty="0" smtClean="0">
-                <a:solidFill>
-                  <a:schemeClr val="bg1"/>
-                </a:solidFill>
-                <a:latin typeface="Lovelo" panose="02000000000000000000" pitchFamily="50" charset="0"/>
               </a:rPr>
               <a:t>@</a:t>
             </a:r>

--- a/slides/Presentation-template-CyberWeek.pptx
+++ b/slides/Presentation-template-CyberWeek.pptx
@@ -3836,7 +3836,16 @@
                 </a:solidFill>
                 <a:latin typeface="Lovelo" panose="02000000000000000000" pitchFamily="50" charset="0"/>
               </a:rPr>
-              <a:t>RED TEAM VILLAGE </a:t>
+              <a:t>RED TEAM </a:t>
+            </a:r>
+            <a:r>
+              <a:rPr lang="en-US" sz="1000" dirty="0" smtClean="0">
+                <a:solidFill>
+                  <a:schemeClr val="bg1"/>
+                </a:solidFill>
+                <a:latin typeface="Lovelo" panose="02000000000000000000" pitchFamily="50" charset="0"/>
+              </a:rPr>
+              <a:t>VILLAGE </a:t>
             </a:r>
             <a:r>
               <a:rPr lang="en-US" sz="1200" b="1" dirty="0" smtClean="0">
@@ -4144,7 +4153,7 @@
         </p:nvSpPr>
         <p:spPr>
           <a:xfrm>
-            <a:off x="1548348" y="5233620"/>
+            <a:off x="1548348" y="5223788"/>
             <a:ext cx="2312966" cy="292388"/>
           </a:xfrm>
           <a:prstGeom prst="rect">
@@ -4201,16 +4210,7 @@
                 </a:solidFill>
                 <a:latin typeface="Lovelo" panose="02000000000000000000" pitchFamily="50" charset="0"/>
               </a:rPr>
-              <a:t>RED TEAM </a:t>
-            </a:r>
-            <a:r>
-              <a:rPr lang="en-US" sz="2000" dirty="0" smtClean="0">
-                <a:solidFill>
-                  <a:schemeClr val="bg1"/>
-                </a:solidFill>
-                <a:latin typeface="Lovelo" panose="02000000000000000000" pitchFamily="50" charset="0"/>
-              </a:rPr>
-              <a:t>Village </a:t>
+              <a:t>RED TEAM Village </a:t>
             </a:r>
             <a:r>
               <a:rPr lang="en-US" sz="2800" b="1" dirty="0" smtClean="0">

--- a/slides/Presentation-template-CyberWeek.pptx
+++ b/slides/Presentation-template-CyberWeek.pptx
@@ -3220,66 +3220,6 @@
           </a:p>
         </p:txBody>
       </p:sp>
-      <p:sp>
-        <p:nvSpPr>
-          <p:cNvPr id="2" name="TextBox 1"/>
-          <p:cNvSpPr txBox="1"/>
-          <p:nvPr/>
-        </p:nvSpPr>
-        <p:spPr>
-          <a:xfrm>
-            <a:off x="1483269" y="5371061"/>
-            <a:ext cx="2751587" cy="523220"/>
-          </a:xfrm>
-          <a:prstGeom prst="rect">
-            <a:avLst/>
-          </a:prstGeom>
-          <a:noFill/>
-        </p:spPr>
-        <p:txBody>
-          <a:bodyPr wrap="none" rtlCol="0">
-            <a:spAutoFit/>
-          </a:bodyPr>
-          <a:lstStyle/>
-          <a:p>
-            <a:r>
-              <a:rPr lang="en-US" sz="2000" dirty="0" smtClean="0">
-                <a:solidFill>
-                  <a:schemeClr val="bg1"/>
-                </a:solidFill>
-                <a:latin typeface="Lovelo" panose="02000000000000000000" pitchFamily="50" charset="0"/>
-              </a:rPr>
-              <a:t>RED TEAM </a:t>
-            </a:r>
-            <a:r>
-              <a:rPr lang="en-US" sz="2000" dirty="0" smtClean="0">
-                <a:solidFill>
-                  <a:schemeClr val="bg1"/>
-                </a:solidFill>
-                <a:latin typeface="Lovelo" panose="02000000000000000000" pitchFamily="50" charset="0"/>
-              </a:rPr>
-              <a:t>Village </a:t>
-            </a:r>
-            <a:r>
-              <a:rPr lang="en-US" sz="2800" b="1" dirty="0" smtClean="0">
-                <a:solidFill>
-                  <a:schemeClr val="bg1"/>
-                </a:solidFill>
-                <a:latin typeface="Myriad Pro" panose="020B0503030403020204" pitchFamily="34" charset="0"/>
-                <a:ea typeface="Mina" charset="0"/>
-                <a:cs typeface="Mina" panose="02000503000000000000" pitchFamily="2" charset="0"/>
-              </a:rPr>
-              <a:t>@</a:t>
-            </a:r>
-            <a:endParaRPr lang="en-US" sz="2000" dirty="0">
-              <a:solidFill>
-                <a:schemeClr val="bg1"/>
-              </a:solidFill>
-              <a:latin typeface="Lovelo" panose="02000000000000000000" pitchFamily="50" charset="0"/>
-            </a:endParaRPr>
-          </a:p>
-        </p:txBody>
-      </p:sp>
       <p:pic>
         <p:nvPicPr>
           <p:cNvPr id="7" name="Picture 6"/>
@@ -3346,6 +3286,36 @@
           </a:p>
         </p:txBody>
       </p:sp>
+      <p:pic>
+        <p:nvPicPr>
+          <p:cNvPr id="11" name="Picture 10"/>
+          <p:cNvPicPr>
+            <a:picLocks noChangeAspect="1"/>
+          </p:cNvPicPr>
+          <p:nvPr/>
+        </p:nvPicPr>
+        <p:blipFill>
+          <a:blip r:embed="rId5">
+            <a:extLst>
+              <a:ext uri="{28A0092B-C50C-407E-A947-70E740481C1C}">
+                <a14:useLocalDpi xmlns:a14="http://schemas.microsoft.com/office/drawing/2010/main" val="0"/>
+              </a:ext>
+            </a:extLst>
+          </a:blip>
+          <a:stretch>
+            <a:fillRect/>
+          </a:stretch>
+        </p:blipFill>
+        <p:spPr>
+          <a:xfrm>
+            <a:off x="417252" y="4864963"/>
+            <a:ext cx="5496980" cy="1881080"/>
+          </a:xfrm>
+          <a:prstGeom prst="rect">
+            <a:avLst/>
+          </a:prstGeom>
+        </p:spPr>
+      </p:pic>
     </p:spTree>
     <p:extLst>
       <p:ext uri="{BB962C8B-B14F-4D97-AF65-F5344CB8AC3E}">
@@ -3807,67 +3777,9 @@
           </a:prstGeom>
         </p:spPr>
       </p:pic>
-      <p:sp>
-        <p:nvSpPr>
-          <p:cNvPr id="7" name="TextBox 6"/>
-          <p:cNvSpPr txBox="1"/>
-          <p:nvPr/>
-        </p:nvSpPr>
-        <p:spPr>
-          <a:xfrm>
-            <a:off x="9727686" y="6272071"/>
-            <a:ext cx="1447832" cy="276999"/>
-          </a:xfrm>
-          <a:prstGeom prst="rect">
-            <a:avLst/>
-          </a:prstGeom>
-          <a:noFill/>
-        </p:spPr>
-        <p:txBody>
-          <a:bodyPr wrap="none" rtlCol="0">
-            <a:spAutoFit/>
-          </a:bodyPr>
-          <a:lstStyle/>
-          <a:p>
-            <a:r>
-              <a:rPr lang="en-US" sz="1000" dirty="0" smtClean="0">
-                <a:solidFill>
-                  <a:schemeClr val="bg1"/>
-                </a:solidFill>
-                <a:latin typeface="Lovelo" panose="02000000000000000000" pitchFamily="50" charset="0"/>
-              </a:rPr>
-              <a:t>RED TEAM </a:t>
-            </a:r>
-            <a:r>
-              <a:rPr lang="en-US" sz="1000" dirty="0" smtClean="0">
-                <a:solidFill>
-                  <a:schemeClr val="bg1"/>
-                </a:solidFill>
-                <a:latin typeface="Lovelo" panose="02000000000000000000" pitchFamily="50" charset="0"/>
-              </a:rPr>
-              <a:t>VILLAGE </a:t>
-            </a:r>
-            <a:r>
-              <a:rPr lang="en-US" sz="1200" b="1" dirty="0" smtClean="0">
-                <a:solidFill>
-                  <a:schemeClr val="bg1"/>
-                </a:solidFill>
-                <a:latin typeface="Myriad Pro" panose="020B0503030403020204" pitchFamily="34" charset="0"/>
-              </a:rPr>
-              <a:t>@</a:t>
-            </a:r>
-            <a:endParaRPr lang="en-US" sz="1000" b="1" dirty="0">
-              <a:solidFill>
-                <a:schemeClr val="bg1"/>
-              </a:solidFill>
-              <a:latin typeface="Myriad Pro" panose="020B0503030403020204" pitchFamily="34" charset="0"/>
-            </a:endParaRPr>
-          </a:p>
-        </p:txBody>
-      </p:sp>
       <p:pic>
         <p:nvPicPr>
-          <p:cNvPr id="10" name="Picture 9"/>
+          <p:cNvPr id="11" name="Picture 10"/>
           <p:cNvPicPr>
             <a:picLocks noChangeAspect="1"/>
           </p:cNvPicPr>
@@ -3887,50 +3799,14 @@
         </p:blipFill>
         <p:spPr>
           <a:xfrm>
-            <a:off x="9837273" y="6719788"/>
-            <a:ext cx="1535916" cy="131425"/>
+            <a:off x="9394298" y="6325837"/>
+            <a:ext cx="2408235" cy="532164"/>
           </a:xfrm>
           <a:prstGeom prst="rect">
             <a:avLst/>
           </a:prstGeom>
         </p:spPr>
       </p:pic>
-      <p:sp>
-        <p:nvSpPr>
-          <p:cNvPr id="12" name="TextBox 11"/>
-          <p:cNvSpPr txBox="1"/>
-          <p:nvPr/>
-        </p:nvSpPr>
-        <p:spPr>
-          <a:xfrm>
-            <a:off x="9783265" y="6676550"/>
-            <a:ext cx="1654851" cy="230832"/>
-          </a:xfrm>
-          <a:prstGeom prst="rect">
-            <a:avLst/>
-          </a:prstGeom>
-          <a:noFill/>
-        </p:spPr>
-        <p:txBody>
-          <a:bodyPr wrap="square" rtlCol="0">
-            <a:spAutoFit/>
-          </a:bodyPr>
-          <a:lstStyle/>
-          <a:p>
-            <a:r>
-              <a:rPr lang="en-US" sz="890" b="1" dirty="0" smtClean="0">
-                <a:latin typeface="Mina" panose="02000503000000000000" pitchFamily="2" charset="0"/>
-                <a:cs typeface="Mina" panose="02000503000000000000" pitchFamily="2" charset="0"/>
-              </a:rPr>
-              <a:t>https://redteamvillage.org/</a:t>
-            </a:r>
-            <a:endParaRPr lang="en-US" sz="890" b="1" dirty="0">
-              <a:latin typeface="Mina" panose="02000503000000000000" pitchFamily="2" charset="0"/>
-              <a:cs typeface="Mina" panose="02000503000000000000" pitchFamily="2" charset="0"/>
-            </a:endParaRPr>
-          </a:p>
-        </p:txBody>
-      </p:sp>
     </p:spTree>
     <p:extLst>
       <p:ext uri="{BB962C8B-B14F-4D97-AF65-F5344CB8AC3E}">
@@ -4117,7 +3993,7 @@
       </p:pic>
       <p:pic>
         <p:nvPicPr>
-          <p:cNvPr id="2" name="Picture 1"/>
+          <p:cNvPr id="8" name="Picture 7"/>
           <p:cNvPicPr>
             <a:picLocks noChangeAspect="1"/>
           </p:cNvPicPr>
@@ -4137,101 +4013,14 @@
         </p:blipFill>
         <p:spPr>
           <a:xfrm>
-            <a:off x="1576916" y="5232401"/>
-            <a:ext cx="2190751" cy="257198"/>
+            <a:off x="417252" y="4864963"/>
+            <a:ext cx="5496980" cy="1881080"/>
           </a:xfrm>
           <a:prstGeom prst="rect">
             <a:avLst/>
           </a:prstGeom>
         </p:spPr>
       </p:pic>
-      <p:sp>
-        <p:nvSpPr>
-          <p:cNvPr id="6" name="TextBox 5"/>
-          <p:cNvSpPr txBox="1"/>
-          <p:nvPr/>
-        </p:nvSpPr>
-        <p:spPr>
-          <a:xfrm>
-            <a:off x="1548348" y="5223788"/>
-            <a:ext cx="2312966" cy="292388"/>
-          </a:xfrm>
-          <a:prstGeom prst="rect">
-            <a:avLst/>
-          </a:prstGeom>
-          <a:noFill/>
-        </p:spPr>
-        <p:txBody>
-          <a:bodyPr wrap="square" rtlCol="0">
-            <a:spAutoFit/>
-          </a:bodyPr>
-          <a:lstStyle/>
-          <a:p>
-            <a:r>
-              <a:rPr lang="en-US" sz="1300" b="1" dirty="0" smtClean="0">
-                <a:latin typeface="Mina" panose="02000503000000000000" pitchFamily="2" charset="0"/>
-                <a:cs typeface="Mina" panose="02000503000000000000" pitchFamily="2" charset="0"/>
-              </a:rPr>
-              <a:t>https://redteamvillage.org/</a:t>
-            </a:r>
-            <a:endParaRPr lang="en-US" sz="1300" b="1" dirty="0">
-              <a:latin typeface="Mina" panose="02000503000000000000" pitchFamily="2" charset="0"/>
-              <a:cs typeface="Mina" panose="02000503000000000000" pitchFamily="2" charset="0"/>
-            </a:endParaRPr>
-          </a:p>
-        </p:txBody>
-      </p:sp>
-      <p:sp>
-        <p:nvSpPr>
-          <p:cNvPr id="7" name="TextBox 6"/>
-          <p:cNvSpPr txBox="1"/>
-          <p:nvPr/>
-        </p:nvSpPr>
-        <p:spPr>
-          <a:xfrm>
-            <a:off x="1483269" y="5371061"/>
-            <a:ext cx="2751587" cy="523220"/>
-          </a:xfrm>
-          <a:prstGeom prst="rect">
-            <a:avLst/>
-          </a:prstGeom>
-          <a:noFill/>
-        </p:spPr>
-        <p:txBody>
-          <a:bodyPr wrap="none" rtlCol="0">
-            <a:spAutoFit/>
-          </a:bodyPr>
-          <a:lstStyle/>
-          <a:p>
-            <a:r>
-              <a:rPr lang="en-US" sz="2000" dirty="0" smtClean="0">
-                <a:solidFill>
-                  <a:schemeClr val="bg1"/>
-                </a:solidFill>
-                <a:latin typeface="Lovelo" panose="02000000000000000000" pitchFamily="50" charset="0"/>
-              </a:rPr>
-              <a:t>RED TEAM Village </a:t>
-            </a:r>
-            <a:r>
-              <a:rPr lang="en-US" sz="2800" b="1" dirty="0" smtClean="0">
-                <a:solidFill>
-                  <a:schemeClr val="bg1"/>
-                </a:solidFill>
-                <a:latin typeface="Myriad Pro" panose="020B0503030403020204" pitchFamily="34" charset="0"/>
-                <a:ea typeface="Mina" charset="0"/>
-                <a:cs typeface="Mina" panose="02000503000000000000" pitchFamily="2" charset="0"/>
-              </a:rPr>
-              <a:t>@</a:t>
-            </a:r>
-            <a:endParaRPr lang="en-US" sz="2000" dirty="0">
-              <a:solidFill>
-                <a:schemeClr val="bg1"/>
-              </a:solidFill>
-              <a:latin typeface="Lovelo" panose="02000000000000000000" pitchFamily="50" charset="0"/>
-            </a:endParaRPr>
-          </a:p>
-        </p:txBody>
-      </p:sp>
     </p:spTree>
     <p:extLst>
       <p:ext uri="{BB962C8B-B14F-4D97-AF65-F5344CB8AC3E}">
